--- a/Matches/USPSA - Renton - March 2021/Bay 6 - Here Comes the Juice.pptx
+++ b/Matches/USPSA - Renton - March 2021/Bay 6 - Here Comes the Juice.pptx
@@ -266,7 +266,7 @@
               <a:pPr>
                 <a:defRPr/>
               </a:pPr>
-              <a:t>3/26/2021</a:t>
+              <a:t>3/28/21</a:t>
             </a:fld>
             <a:endParaRPr lang="en-US"/>
           </a:p>
@@ -6270,7 +6270,7 @@
           <p:nvPr>
             <p:extLst>
               <p:ext uri="{D42A27DB-BD31-4B8C-83A1-F6EECF244321}">
-                <p14:modId xmlns:p14="http://schemas.microsoft.com/office/powerpoint/2010/main" val="1709243359"/>
+                <p14:modId xmlns:p14="http://schemas.microsoft.com/office/powerpoint/2010/main" val="1205033475"/>
               </p:ext>
             </p:extLst>
           </p:nvPr>
@@ -6727,7 +6727,7 @@
                           <a:latin typeface="Arial" charset="0"/>
                           <a:cs typeface="Times New Roman" charset="0"/>
                         </a:rPr>
-                        <a:t> Standing outside the shooting area, toes touching marks, </a:t>
+                        <a:t> Standing inside the shooting area, toes touching marks, </a:t>
                       </a:r>
                       <a:r>
                         <a:rPr lang="en-US" sz="1100" dirty="0"/>
@@ -6821,7 +6821,7 @@
                           <a:latin typeface="Arial" charset="0"/>
                           <a:cs typeface="Times New Roman" charset="0"/>
                         </a:rPr>
-                        <a:t>Standing outside the shooting area, toes touching marks, facing anywhere downrange. Gun loaded, stock touching belt, muzzle pointed anywhere downrange.</a:t>
+                        <a:t>Standing inside the shooting area, toes touching marks, facing anywhere downrange. Gun loaded, stock touching belt, muzzle pointed anywhere downrange.</a:t>
                       </a:r>
                     </a:p>
                   </a:txBody>
